--- a/ppt 16-9/1514.祢是我永远的.pptx
+++ b/ppt 16-9/1514.祢是我永远的.pptx
@@ -129,7 +129,7 @@
           <p:cNvPr id="2" name="标题 1">
             <a:extLst>
               <a:ext uri="{FF2B5EF4-FFF2-40B4-BE49-F238E27FC236}">
-                <a16:creationId xmlns:a16="http://schemas.microsoft.com/office/drawing/2014/main" id="{039450C5-8014-3766-3BB0-3FAD50096861}"/>
+                <a16:creationId xmlns:a16="http://schemas.microsoft.com/office/drawing/2014/main" id="{ACB687D2-3486-1B0F-61A7-05B18C90B350}"/>
               </a:ext>
             </a:extLst>
           </p:cNvPr>
@@ -166,7 +166,7 @@
           <p:cNvPr id="3" name="副标题 2">
             <a:extLst>
               <a:ext uri="{FF2B5EF4-FFF2-40B4-BE49-F238E27FC236}">
-                <a16:creationId xmlns:a16="http://schemas.microsoft.com/office/drawing/2014/main" id="{1347CB19-9352-D298-FF67-2D0F5A041D40}"/>
+                <a16:creationId xmlns:a16="http://schemas.microsoft.com/office/drawing/2014/main" id="{F174A6FD-22C2-A4E0-E72F-07A012851A91}"/>
               </a:ext>
             </a:extLst>
           </p:cNvPr>
@@ -236,7 +236,7 @@
           <p:cNvPr id="4" name="日期占位符 3">
             <a:extLst>
               <a:ext uri="{FF2B5EF4-FFF2-40B4-BE49-F238E27FC236}">
-                <a16:creationId xmlns:a16="http://schemas.microsoft.com/office/drawing/2014/main" id="{26105FF1-0FCE-58A5-C531-1FFD6455BB6D}"/>
+                <a16:creationId xmlns:a16="http://schemas.microsoft.com/office/drawing/2014/main" id="{6FD9B080-1FDF-5056-C62F-B63A8AC637FD}"/>
               </a:ext>
             </a:extLst>
           </p:cNvPr>
@@ -252,7 +252,7 @@
           <a:bodyPr/>
           <a:lstStyle/>
           <a:p>
-            <a:fld id="{D54DBD27-EAAD-44A3-BA82-0F988E6EED84}" type="datetimeFigureOut">
+            <a:fld id="{1B9BEC4B-EFD1-4233-AE02-0092AC1B3B0B}" type="datetimeFigureOut">
               <a:rPr lang="zh-CN" altLang="en-US" smtClean="0"/>
               <a:t>2024/3/10</a:t>
             </a:fld>
@@ -265,7 +265,7 @@
           <p:cNvPr id="5" name="页脚占位符 4">
             <a:extLst>
               <a:ext uri="{FF2B5EF4-FFF2-40B4-BE49-F238E27FC236}">
-                <a16:creationId xmlns:a16="http://schemas.microsoft.com/office/drawing/2014/main" id="{75E780E5-D353-90B3-BD1A-C1A4DB9BE53C}"/>
+                <a16:creationId xmlns:a16="http://schemas.microsoft.com/office/drawing/2014/main" id="{104CE795-5D8B-FEF7-D0E6-71C5BA00C58E}"/>
               </a:ext>
             </a:extLst>
           </p:cNvPr>
@@ -290,7 +290,7 @@
           <p:cNvPr id="6" name="灯片编号占位符 5">
             <a:extLst>
               <a:ext uri="{FF2B5EF4-FFF2-40B4-BE49-F238E27FC236}">
-                <a16:creationId xmlns:a16="http://schemas.microsoft.com/office/drawing/2014/main" id="{22C5CA7C-1F96-84FD-F218-97F34D036C56}"/>
+                <a16:creationId xmlns:a16="http://schemas.microsoft.com/office/drawing/2014/main" id="{EFF8C78D-24EB-EE4D-996E-6AF06467BBFF}"/>
               </a:ext>
             </a:extLst>
           </p:cNvPr>
@@ -306,7 +306,7 @@
           <a:bodyPr/>
           <a:lstStyle/>
           <a:p>
-            <a:fld id="{AD9A5BCB-BB62-4FF6-A218-803DB56925A3}" type="slidenum">
+            <a:fld id="{E330CEB4-9552-41B2-B100-67B7850FB0CE}" type="slidenum">
               <a:rPr lang="zh-CN" altLang="en-US" smtClean="0"/>
               <a:t>‹#›</a:t>
             </a:fld>
@@ -317,7 +317,7 @@
     </p:spTree>
     <p:extLst>
       <p:ext uri="{BB962C8B-B14F-4D97-AF65-F5344CB8AC3E}">
-        <p14:creationId xmlns:p14="http://schemas.microsoft.com/office/powerpoint/2010/main" val="810574289"/>
+        <p14:creationId xmlns:p14="http://schemas.microsoft.com/office/powerpoint/2010/main" val="1810390068"/>
       </p:ext>
     </p:extLst>
   </p:cSld>
@@ -349,7 +349,7 @@
           <p:cNvPr id="2" name="标题 1">
             <a:extLst>
               <a:ext uri="{FF2B5EF4-FFF2-40B4-BE49-F238E27FC236}">
-                <a16:creationId xmlns:a16="http://schemas.microsoft.com/office/drawing/2014/main" id="{5454AB31-B5F3-3A11-E933-C625CF6BBF24}"/>
+                <a16:creationId xmlns:a16="http://schemas.microsoft.com/office/drawing/2014/main" id="{DD0C73AD-A766-1B99-7027-90161A78CE34}"/>
               </a:ext>
             </a:extLst>
           </p:cNvPr>
@@ -377,7 +377,7 @@
           <p:cNvPr id="3" name="竖排文字占位符 2">
             <a:extLst>
               <a:ext uri="{FF2B5EF4-FFF2-40B4-BE49-F238E27FC236}">
-                <a16:creationId xmlns:a16="http://schemas.microsoft.com/office/drawing/2014/main" id="{94550761-7C49-479B-F829-004C5E46EE1D}"/>
+                <a16:creationId xmlns:a16="http://schemas.microsoft.com/office/drawing/2014/main" id="{2E36E81F-E33F-F28D-DAB8-D8E3D3EF14B8}"/>
               </a:ext>
             </a:extLst>
           </p:cNvPr>
@@ -434,7 +434,7 @@
           <p:cNvPr id="4" name="日期占位符 3">
             <a:extLst>
               <a:ext uri="{FF2B5EF4-FFF2-40B4-BE49-F238E27FC236}">
-                <a16:creationId xmlns:a16="http://schemas.microsoft.com/office/drawing/2014/main" id="{C1E14C8E-4A1C-7C0B-DD34-3A54F7F088CE}"/>
+                <a16:creationId xmlns:a16="http://schemas.microsoft.com/office/drawing/2014/main" id="{78AC3C8D-1993-2AA7-B977-50BAFCC0AF45}"/>
               </a:ext>
             </a:extLst>
           </p:cNvPr>
@@ -450,7 +450,7 @@
           <a:bodyPr/>
           <a:lstStyle/>
           <a:p>
-            <a:fld id="{D54DBD27-EAAD-44A3-BA82-0F988E6EED84}" type="datetimeFigureOut">
+            <a:fld id="{1B9BEC4B-EFD1-4233-AE02-0092AC1B3B0B}" type="datetimeFigureOut">
               <a:rPr lang="zh-CN" altLang="en-US" smtClean="0"/>
               <a:t>2024/3/10</a:t>
             </a:fld>
@@ -463,7 +463,7 @@
           <p:cNvPr id="5" name="页脚占位符 4">
             <a:extLst>
               <a:ext uri="{FF2B5EF4-FFF2-40B4-BE49-F238E27FC236}">
-                <a16:creationId xmlns:a16="http://schemas.microsoft.com/office/drawing/2014/main" id="{C3B87F21-5BEB-4D7B-8D57-E511337C58DF}"/>
+                <a16:creationId xmlns:a16="http://schemas.microsoft.com/office/drawing/2014/main" id="{C9189FBE-EEC7-5E97-F49C-016A623EFA2D}"/>
               </a:ext>
             </a:extLst>
           </p:cNvPr>
@@ -488,7 +488,7 @@
           <p:cNvPr id="6" name="灯片编号占位符 5">
             <a:extLst>
               <a:ext uri="{FF2B5EF4-FFF2-40B4-BE49-F238E27FC236}">
-                <a16:creationId xmlns:a16="http://schemas.microsoft.com/office/drawing/2014/main" id="{0AE89C46-CD5C-804E-CD22-D02CC9FB8791}"/>
+                <a16:creationId xmlns:a16="http://schemas.microsoft.com/office/drawing/2014/main" id="{7168BC69-1F49-AEE4-27C8-1C7A48F6DFC8}"/>
               </a:ext>
             </a:extLst>
           </p:cNvPr>
@@ -504,7 +504,7 @@
           <a:bodyPr/>
           <a:lstStyle/>
           <a:p>
-            <a:fld id="{AD9A5BCB-BB62-4FF6-A218-803DB56925A3}" type="slidenum">
+            <a:fld id="{E330CEB4-9552-41B2-B100-67B7850FB0CE}" type="slidenum">
               <a:rPr lang="zh-CN" altLang="en-US" smtClean="0"/>
               <a:t>‹#›</a:t>
             </a:fld>
@@ -515,7 +515,7 @@
     </p:spTree>
     <p:extLst>
       <p:ext uri="{BB962C8B-B14F-4D97-AF65-F5344CB8AC3E}">
-        <p14:creationId xmlns:p14="http://schemas.microsoft.com/office/powerpoint/2010/main" val="1981192070"/>
+        <p14:creationId xmlns:p14="http://schemas.microsoft.com/office/powerpoint/2010/main" val="3460938995"/>
       </p:ext>
     </p:extLst>
   </p:cSld>
@@ -547,7 +547,7 @@
           <p:cNvPr id="2" name="竖排标题 1">
             <a:extLst>
               <a:ext uri="{FF2B5EF4-FFF2-40B4-BE49-F238E27FC236}">
-                <a16:creationId xmlns:a16="http://schemas.microsoft.com/office/drawing/2014/main" id="{8FA0396D-8FC4-004A-D616-BB809BFC96C6}"/>
+                <a16:creationId xmlns:a16="http://schemas.microsoft.com/office/drawing/2014/main" id="{901B6411-82E9-750A-6388-8D82F9B1C864}"/>
               </a:ext>
             </a:extLst>
           </p:cNvPr>
@@ -580,7 +580,7 @@
           <p:cNvPr id="3" name="竖排文字占位符 2">
             <a:extLst>
               <a:ext uri="{FF2B5EF4-FFF2-40B4-BE49-F238E27FC236}">
-                <a16:creationId xmlns:a16="http://schemas.microsoft.com/office/drawing/2014/main" id="{B3551CF7-1255-3209-E8AF-1A1CF8AACF44}"/>
+                <a16:creationId xmlns:a16="http://schemas.microsoft.com/office/drawing/2014/main" id="{76829D0C-8B43-ACAC-BE1D-3A5F587C3E88}"/>
               </a:ext>
             </a:extLst>
           </p:cNvPr>
@@ -642,7 +642,7 @@
           <p:cNvPr id="4" name="日期占位符 3">
             <a:extLst>
               <a:ext uri="{FF2B5EF4-FFF2-40B4-BE49-F238E27FC236}">
-                <a16:creationId xmlns:a16="http://schemas.microsoft.com/office/drawing/2014/main" id="{84B28595-AA95-1934-FDF8-BD7FA245B07F}"/>
+                <a16:creationId xmlns:a16="http://schemas.microsoft.com/office/drawing/2014/main" id="{B8ABA5E4-7A2B-9812-4EDB-AFC2FAF329FB}"/>
               </a:ext>
             </a:extLst>
           </p:cNvPr>
@@ -658,7 +658,7 @@
           <a:bodyPr/>
           <a:lstStyle/>
           <a:p>
-            <a:fld id="{D54DBD27-EAAD-44A3-BA82-0F988E6EED84}" type="datetimeFigureOut">
+            <a:fld id="{1B9BEC4B-EFD1-4233-AE02-0092AC1B3B0B}" type="datetimeFigureOut">
               <a:rPr lang="zh-CN" altLang="en-US" smtClean="0"/>
               <a:t>2024/3/10</a:t>
             </a:fld>
@@ -671,7 +671,7 @@
           <p:cNvPr id="5" name="页脚占位符 4">
             <a:extLst>
               <a:ext uri="{FF2B5EF4-FFF2-40B4-BE49-F238E27FC236}">
-                <a16:creationId xmlns:a16="http://schemas.microsoft.com/office/drawing/2014/main" id="{F2E2D044-930D-9E98-C102-790AD1CF4D08}"/>
+                <a16:creationId xmlns:a16="http://schemas.microsoft.com/office/drawing/2014/main" id="{AB61ADB9-DC9D-51B3-91C1-DFC7251A5F2D}"/>
               </a:ext>
             </a:extLst>
           </p:cNvPr>
@@ -696,7 +696,7 @@
           <p:cNvPr id="6" name="灯片编号占位符 5">
             <a:extLst>
               <a:ext uri="{FF2B5EF4-FFF2-40B4-BE49-F238E27FC236}">
-                <a16:creationId xmlns:a16="http://schemas.microsoft.com/office/drawing/2014/main" id="{E9800119-5643-DC2B-ABC0-2D5F4C095C9D}"/>
+                <a16:creationId xmlns:a16="http://schemas.microsoft.com/office/drawing/2014/main" id="{DA8C50C4-DE13-C841-EBE4-EF17F691CC4E}"/>
               </a:ext>
             </a:extLst>
           </p:cNvPr>
@@ -712,7 +712,7 @@
           <a:bodyPr/>
           <a:lstStyle/>
           <a:p>
-            <a:fld id="{AD9A5BCB-BB62-4FF6-A218-803DB56925A3}" type="slidenum">
+            <a:fld id="{E330CEB4-9552-41B2-B100-67B7850FB0CE}" type="slidenum">
               <a:rPr lang="zh-CN" altLang="en-US" smtClean="0"/>
               <a:t>‹#›</a:t>
             </a:fld>
@@ -723,7 +723,7 @@
     </p:spTree>
     <p:extLst>
       <p:ext uri="{BB962C8B-B14F-4D97-AF65-F5344CB8AC3E}">
-        <p14:creationId xmlns:p14="http://schemas.microsoft.com/office/powerpoint/2010/main" val="1609042724"/>
+        <p14:creationId xmlns:p14="http://schemas.microsoft.com/office/powerpoint/2010/main" val="3652642000"/>
       </p:ext>
     </p:extLst>
   </p:cSld>
@@ -755,7 +755,7 @@
           <p:cNvPr id="2" name="标题 1">
             <a:extLst>
               <a:ext uri="{FF2B5EF4-FFF2-40B4-BE49-F238E27FC236}">
-                <a16:creationId xmlns:a16="http://schemas.microsoft.com/office/drawing/2014/main" id="{518A14A4-5300-9C64-42A9-5503B39BB4D2}"/>
+                <a16:creationId xmlns:a16="http://schemas.microsoft.com/office/drawing/2014/main" id="{CD0C5EA1-13E8-6830-C78D-0B006CB0D8C6}"/>
               </a:ext>
             </a:extLst>
           </p:cNvPr>
@@ -783,7 +783,7 @@
           <p:cNvPr id="3" name="内容占位符 2">
             <a:extLst>
               <a:ext uri="{FF2B5EF4-FFF2-40B4-BE49-F238E27FC236}">
-                <a16:creationId xmlns:a16="http://schemas.microsoft.com/office/drawing/2014/main" id="{F8A837B4-3B21-7398-CEAB-8CEFEFDB54A0}"/>
+                <a16:creationId xmlns:a16="http://schemas.microsoft.com/office/drawing/2014/main" id="{BBD1FA1C-7FE3-D95C-89D9-53F7DA16A7BB}"/>
               </a:ext>
             </a:extLst>
           </p:cNvPr>
@@ -840,7 +840,7 @@
           <p:cNvPr id="4" name="日期占位符 3">
             <a:extLst>
               <a:ext uri="{FF2B5EF4-FFF2-40B4-BE49-F238E27FC236}">
-                <a16:creationId xmlns:a16="http://schemas.microsoft.com/office/drawing/2014/main" id="{681CBD17-D2E0-CDB3-0F2F-5366CF30EC81}"/>
+                <a16:creationId xmlns:a16="http://schemas.microsoft.com/office/drawing/2014/main" id="{AE4E274A-46FB-34BB-E7C7-C3E9B20619DB}"/>
               </a:ext>
             </a:extLst>
           </p:cNvPr>
@@ -856,7 +856,7 @@
           <a:bodyPr/>
           <a:lstStyle/>
           <a:p>
-            <a:fld id="{D54DBD27-EAAD-44A3-BA82-0F988E6EED84}" type="datetimeFigureOut">
+            <a:fld id="{1B9BEC4B-EFD1-4233-AE02-0092AC1B3B0B}" type="datetimeFigureOut">
               <a:rPr lang="zh-CN" altLang="en-US" smtClean="0"/>
               <a:t>2024/3/10</a:t>
             </a:fld>
@@ -869,7 +869,7 @@
           <p:cNvPr id="5" name="页脚占位符 4">
             <a:extLst>
               <a:ext uri="{FF2B5EF4-FFF2-40B4-BE49-F238E27FC236}">
-                <a16:creationId xmlns:a16="http://schemas.microsoft.com/office/drawing/2014/main" id="{A3B13624-2E1A-2C8F-0E12-6CB07136FA15}"/>
+                <a16:creationId xmlns:a16="http://schemas.microsoft.com/office/drawing/2014/main" id="{D446C0DD-A537-17F0-BA6B-EC95A5D4B94A}"/>
               </a:ext>
             </a:extLst>
           </p:cNvPr>
@@ -894,7 +894,7 @@
           <p:cNvPr id="6" name="灯片编号占位符 5">
             <a:extLst>
               <a:ext uri="{FF2B5EF4-FFF2-40B4-BE49-F238E27FC236}">
-                <a16:creationId xmlns:a16="http://schemas.microsoft.com/office/drawing/2014/main" id="{DB66D183-E4D0-EE16-E015-49317D0A4A25}"/>
+                <a16:creationId xmlns:a16="http://schemas.microsoft.com/office/drawing/2014/main" id="{5B35C100-CA6F-B187-FF3B-A311FAEE74A6}"/>
               </a:ext>
             </a:extLst>
           </p:cNvPr>
@@ -910,7 +910,7 @@
           <a:bodyPr/>
           <a:lstStyle/>
           <a:p>
-            <a:fld id="{AD9A5BCB-BB62-4FF6-A218-803DB56925A3}" type="slidenum">
+            <a:fld id="{E330CEB4-9552-41B2-B100-67B7850FB0CE}" type="slidenum">
               <a:rPr lang="zh-CN" altLang="en-US" smtClean="0"/>
               <a:t>‹#›</a:t>
             </a:fld>
@@ -921,7 +921,7 @@
     </p:spTree>
     <p:extLst>
       <p:ext uri="{BB962C8B-B14F-4D97-AF65-F5344CB8AC3E}">
-        <p14:creationId xmlns:p14="http://schemas.microsoft.com/office/powerpoint/2010/main" val="2631411168"/>
+        <p14:creationId xmlns:p14="http://schemas.microsoft.com/office/powerpoint/2010/main" val="3556180389"/>
       </p:ext>
     </p:extLst>
   </p:cSld>
@@ -953,7 +953,7 @@
           <p:cNvPr id="2" name="标题 1">
             <a:extLst>
               <a:ext uri="{FF2B5EF4-FFF2-40B4-BE49-F238E27FC236}">
-                <a16:creationId xmlns:a16="http://schemas.microsoft.com/office/drawing/2014/main" id="{8D988A0C-F097-F038-28B1-53B78C6AE602}"/>
+                <a16:creationId xmlns:a16="http://schemas.microsoft.com/office/drawing/2014/main" id="{B4F81735-FE31-484A-2C49-5C93D01A014E}"/>
               </a:ext>
             </a:extLst>
           </p:cNvPr>
@@ -990,7 +990,7 @@
           <p:cNvPr id="3" name="文本占位符 2">
             <a:extLst>
               <a:ext uri="{FF2B5EF4-FFF2-40B4-BE49-F238E27FC236}">
-                <a16:creationId xmlns:a16="http://schemas.microsoft.com/office/drawing/2014/main" id="{91EB99B0-4C15-F6BC-1F1B-418857B3AD47}"/>
+                <a16:creationId xmlns:a16="http://schemas.microsoft.com/office/drawing/2014/main" id="{8ED44FA5-F09F-A9B5-FF63-934E9366AC4A}"/>
               </a:ext>
             </a:extLst>
           </p:cNvPr>
@@ -1115,7 +1115,7 @@
           <p:cNvPr id="4" name="日期占位符 3">
             <a:extLst>
               <a:ext uri="{FF2B5EF4-FFF2-40B4-BE49-F238E27FC236}">
-                <a16:creationId xmlns:a16="http://schemas.microsoft.com/office/drawing/2014/main" id="{1052E08B-B53F-15AC-0F5C-515840515410}"/>
+                <a16:creationId xmlns:a16="http://schemas.microsoft.com/office/drawing/2014/main" id="{0A4E588C-FC2B-4A2F-8FDB-271E7AE58188}"/>
               </a:ext>
             </a:extLst>
           </p:cNvPr>
@@ -1131,7 +1131,7 @@
           <a:bodyPr/>
           <a:lstStyle/>
           <a:p>
-            <a:fld id="{D54DBD27-EAAD-44A3-BA82-0F988E6EED84}" type="datetimeFigureOut">
+            <a:fld id="{1B9BEC4B-EFD1-4233-AE02-0092AC1B3B0B}" type="datetimeFigureOut">
               <a:rPr lang="zh-CN" altLang="en-US" smtClean="0"/>
               <a:t>2024/3/10</a:t>
             </a:fld>
@@ -1144,7 +1144,7 @@
           <p:cNvPr id="5" name="页脚占位符 4">
             <a:extLst>
               <a:ext uri="{FF2B5EF4-FFF2-40B4-BE49-F238E27FC236}">
-                <a16:creationId xmlns:a16="http://schemas.microsoft.com/office/drawing/2014/main" id="{EA71110B-0463-7B8E-0C9B-2F0AFD6B7F2D}"/>
+                <a16:creationId xmlns:a16="http://schemas.microsoft.com/office/drawing/2014/main" id="{501FE23E-F3BD-6DC3-8012-EC186F205ED8}"/>
               </a:ext>
             </a:extLst>
           </p:cNvPr>
@@ -1169,7 +1169,7 @@
           <p:cNvPr id="6" name="灯片编号占位符 5">
             <a:extLst>
               <a:ext uri="{FF2B5EF4-FFF2-40B4-BE49-F238E27FC236}">
-                <a16:creationId xmlns:a16="http://schemas.microsoft.com/office/drawing/2014/main" id="{D3D3B937-6D71-1AEA-F596-0D17CDEF084D}"/>
+                <a16:creationId xmlns:a16="http://schemas.microsoft.com/office/drawing/2014/main" id="{4E6223CA-F3E9-80BB-2796-A8DF3D0A3B77}"/>
               </a:ext>
             </a:extLst>
           </p:cNvPr>
@@ -1185,7 +1185,7 @@
           <a:bodyPr/>
           <a:lstStyle/>
           <a:p>
-            <a:fld id="{AD9A5BCB-BB62-4FF6-A218-803DB56925A3}" type="slidenum">
+            <a:fld id="{E330CEB4-9552-41B2-B100-67B7850FB0CE}" type="slidenum">
               <a:rPr lang="zh-CN" altLang="en-US" smtClean="0"/>
               <a:t>‹#›</a:t>
             </a:fld>
@@ -1196,7 +1196,7 @@
     </p:spTree>
     <p:extLst>
       <p:ext uri="{BB962C8B-B14F-4D97-AF65-F5344CB8AC3E}">
-        <p14:creationId xmlns:p14="http://schemas.microsoft.com/office/powerpoint/2010/main" val="3593572094"/>
+        <p14:creationId xmlns:p14="http://schemas.microsoft.com/office/powerpoint/2010/main" val="3696867026"/>
       </p:ext>
     </p:extLst>
   </p:cSld>
@@ -1228,7 +1228,7 @@
           <p:cNvPr id="2" name="标题 1">
             <a:extLst>
               <a:ext uri="{FF2B5EF4-FFF2-40B4-BE49-F238E27FC236}">
-                <a16:creationId xmlns:a16="http://schemas.microsoft.com/office/drawing/2014/main" id="{90E43CC0-93A2-820D-9A61-59AA6904451B}"/>
+                <a16:creationId xmlns:a16="http://schemas.microsoft.com/office/drawing/2014/main" id="{281DFA3A-2E97-76D9-D8D3-250AA47A30F2}"/>
               </a:ext>
             </a:extLst>
           </p:cNvPr>
@@ -1256,7 +1256,7 @@
           <p:cNvPr id="3" name="内容占位符 2">
             <a:extLst>
               <a:ext uri="{FF2B5EF4-FFF2-40B4-BE49-F238E27FC236}">
-                <a16:creationId xmlns:a16="http://schemas.microsoft.com/office/drawing/2014/main" id="{9B2FD06C-D13C-2376-142F-36581236AA4B}"/>
+                <a16:creationId xmlns:a16="http://schemas.microsoft.com/office/drawing/2014/main" id="{1BAC1743-F38B-E83B-EFF1-F07F3427C8C8}"/>
               </a:ext>
             </a:extLst>
           </p:cNvPr>
@@ -1318,7 +1318,7 @@
           <p:cNvPr id="4" name="内容占位符 3">
             <a:extLst>
               <a:ext uri="{FF2B5EF4-FFF2-40B4-BE49-F238E27FC236}">
-                <a16:creationId xmlns:a16="http://schemas.microsoft.com/office/drawing/2014/main" id="{822E2353-64CD-3F06-42CA-CE155D8B97E0}"/>
+                <a16:creationId xmlns:a16="http://schemas.microsoft.com/office/drawing/2014/main" id="{A93F7141-630E-B388-A4C9-7064CFD2299F}"/>
               </a:ext>
             </a:extLst>
           </p:cNvPr>
@@ -1380,7 +1380,7 @@
           <p:cNvPr id="5" name="日期占位符 4">
             <a:extLst>
               <a:ext uri="{FF2B5EF4-FFF2-40B4-BE49-F238E27FC236}">
-                <a16:creationId xmlns:a16="http://schemas.microsoft.com/office/drawing/2014/main" id="{5E33E847-8DA7-6A6E-0706-C63FC9061234}"/>
+                <a16:creationId xmlns:a16="http://schemas.microsoft.com/office/drawing/2014/main" id="{66CF4C15-DB73-201F-3A0C-9538E5DA14C5}"/>
               </a:ext>
             </a:extLst>
           </p:cNvPr>
@@ -1396,7 +1396,7 @@
           <a:bodyPr/>
           <a:lstStyle/>
           <a:p>
-            <a:fld id="{D54DBD27-EAAD-44A3-BA82-0F988E6EED84}" type="datetimeFigureOut">
+            <a:fld id="{1B9BEC4B-EFD1-4233-AE02-0092AC1B3B0B}" type="datetimeFigureOut">
               <a:rPr lang="zh-CN" altLang="en-US" smtClean="0"/>
               <a:t>2024/3/10</a:t>
             </a:fld>
@@ -1409,7 +1409,7 @@
           <p:cNvPr id="6" name="页脚占位符 5">
             <a:extLst>
               <a:ext uri="{FF2B5EF4-FFF2-40B4-BE49-F238E27FC236}">
-                <a16:creationId xmlns:a16="http://schemas.microsoft.com/office/drawing/2014/main" id="{4EF5B49E-536F-976F-F332-0A02EEE5DCBA}"/>
+                <a16:creationId xmlns:a16="http://schemas.microsoft.com/office/drawing/2014/main" id="{6284A4CB-C527-A54E-E626-5F8EE235279F}"/>
               </a:ext>
             </a:extLst>
           </p:cNvPr>
@@ -1434,7 +1434,7 @@
           <p:cNvPr id="7" name="灯片编号占位符 6">
             <a:extLst>
               <a:ext uri="{FF2B5EF4-FFF2-40B4-BE49-F238E27FC236}">
-                <a16:creationId xmlns:a16="http://schemas.microsoft.com/office/drawing/2014/main" id="{26D17762-9C02-3A21-42E4-1AE7DCAC4650}"/>
+                <a16:creationId xmlns:a16="http://schemas.microsoft.com/office/drawing/2014/main" id="{AF396CA1-9DED-EED9-1926-5202AAC944BB}"/>
               </a:ext>
             </a:extLst>
           </p:cNvPr>
@@ -1450,7 +1450,7 @@
           <a:bodyPr/>
           <a:lstStyle/>
           <a:p>
-            <a:fld id="{AD9A5BCB-BB62-4FF6-A218-803DB56925A3}" type="slidenum">
+            <a:fld id="{E330CEB4-9552-41B2-B100-67B7850FB0CE}" type="slidenum">
               <a:rPr lang="zh-CN" altLang="en-US" smtClean="0"/>
               <a:t>‹#›</a:t>
             </a:fld>
@@ -1461,7 +1461,7 @@
     </p:spTree>
     <p:extLst>
       <p:ext uri="{BB962C8B-B14F-4D97-AF65-F5344CB8AC3E}">
-        <p14:creationId xmlns:p14="http://schemas.microsoft.com/office/powerpoint/2010/main" val="1646366819"/>
+        <p14:creationId xmlns:p14="http://schemas.microsoft.com/office/powerpoint/2010/main" val="138122144"/>
       </p:ext>
     </p:extLst>
   </p:cSld>
@@ -1493,7 +1493,7 @@
           <p:cNvPr id="2" name="标题 1">
             <a:extLst>
               <a:ext uri="{FF2B5EF4-FFF2-40B4-BE49-F238E27FC236}">
-                <a16:creationId xmlns:a16="http://schemas.microsoft.com/office/drawing/2014/main" id="{935A2513-2C26-BC2C-1D0A-2B46B32716C6}"/>
+                <a16:creationId xmlns:a16="http://schemas.microsoft.com/office/drawing/2014/main" id="{4F29B5B7-B4C6-33BA-CB18-FC287A69A6EA}"/>
               </a:ext>
             </a:extLst>
           </p:cNvPr>
@@ -1526,7 +1526,7 @@
           <p:cNvPr id="3" name="文本占位符 2">
             <a:extLst>
               <a:ext uri="{FF2B5EF4-FFF2-40B4-BE49-F238E27FC236}">
-                <a16:creationId xmlns:a16="http://schemas.microsoft.com/office/drawing/2014/main" id="{2B9DDA18-F6FD-CFDB-10E0-F5E120D03D57}"/>
+                <a16:creationId xmlns:a16="http://schemas.microsoft.com/office/drawing/2014/main" id="{CAA2A391-9DFF-363A-00E0-43AF618B9CFB}"/>
               </a:ext>
             </a:extLst>
           </p:cNvPr>
@@ -1597,7 +1597,7 @@
           <p:cNvPr id="4" name="内容占位符 3">
             <a:extLst>
               <a:ext uri="{FF2B5EF4-FFF2-40B4-BE49-F238E27FC236}">
-                <a16:creationId xmlns:a16="http://schemas.microsoft.com/office/drawing/2014/main" id="{70E1A333-1252-D21B-27AA-BACC8206B17D}"/>
+                <a16:creationId xmlns:a16="http://schemas.microsoft.com/office/drawing/2014/main" id="{CE1E71F0-AF61-B3F8-5F4A-640837DBC900}"/>
               </a:ext>
             </a:extLst>
           </p:cNvPr>
@@ -1659,7 +1659,7 @@
           <p:cNvPr id="5" name="文本占位符 4">
             <a:extLst>
               <a:ext uri="{FF2B5EF4-FFF2-40B4-BE49-F238E27FC236}">
-                <a16:creationId xmlns:a16="http://schemas.microsoft.com/office/drawing/2014/main" id="{264E11D5-B93D-D3F1-1411-833DD109E5BD}"/>
+                <a16:creationId xmlns:a16="http://schemas.microsoft.com/office/drawing/2014/main" id="{392DF76C-9A5B-EC72-94ED-E625057857C8}"/>
               </a:ext>
             </a:extLst>
           </p:cNvPr>
@@ -1730,7 +1730,7 @@
           <p:cNvPr id="6" name="内容占位符 5">
             <a:extLst>
               <a:ext uri="{FF2B5EF4-FFF2-40B4-BE49-F238E27FC236}">
-                <a16:creationId xmlns:a16="http://schemas.microsoft.com/office/drawing/2014/main" id="{95793F6A-D524-8535-FFF9-056492BCBBA2}"/>
+                <a16:creationId xmlns:a16="http://schemas.microsoft.com/office/drawing/2014/main" id="{DCF16129-1A2A-64F9-CAB1-DD1070EAD531}"/>
               </a:ext>
             </a:extLst>
           </p:cNvPr>
@@ -1792,7 +1792,7 @@
           <p:cNvPr id="7" name="日期占位符 6">
             <a:extLst>
               <a:ext uri="{FF2B5EF4-FFF2-40B4-BE49-F238E27FC236}">
-                <a16:creationId xmlns:a16="http://schemas.microsoft.com/office/drawing/2014/main" id="{A6DAF5CA-70D3-9062-BBC9-81E8EB040364}"/>
+                <a16:creationId xmlns:a16="http://schemas.microsoft.com/office/drawing/2014/main" id="{A0950D4A-AAF0-FA2E-38F5-76D56CB75E5A}"/>
               </a:ext>
             </a:extLst>
           </p:cNvPr>
@@ -1808,7 +1808,7 @@
           <a:bodyPr/>
           <a:lstStyle/>
           <a:p>
-            <a:fld id="{D54DBD27-EAAD-44A3-BA82-0F988E6EED84}" type="datetimeFigureOut">
+            <a:fld id="{1B9BEC4B-EFD1-4233-AE02-0092AC1B3B0B}" type="datetimeFigureOut">
               <a:rPr lang="zh-CN" altLang="en-US" smtClean="0"/>
               <a:t>2024/3/10</a:t>
             </a:fld>
@@ -1821,7 +1821,7 @@
           <p:cNvPr id="8" name="页脚占位符 7">
             <a:extLst>
               <a:ext uri="{FF2B5EF4-FFF2-40B4-BE49-F238E27FC236}">
-                <a16:creationId xmlns:a16="http://schemas.microsoft.com/office/drawing/2014/main" id="{80C7C91A-3904-3B6C-0A38-EE44FD10BB81}"/>
+                <a16:creationId xmlns:a16="http://schemas.microsoft.com/office/drawing/2014/main" id="{4625E44A-AA81-972B-BB3E-0407AF8BB12E}"/>
               </a:ext>
             </a:extLst>
           </p:cNvPr>
@@ -1846,7 +1846,7 @@
           <p:cNvPr id="9" name="灯片编号占位符 8">
             <a:extLst>
               <a:ext uri="{FF2B5EF4-FFF2-40B4-BE49-F238E27FC236}">
-                <a16:creationId xmlns:a16="http://schemas.microsoft.com/office/drawing/2014/main" id="{A939E731-DFE5-1F03-AF1A-903230713FA4}"/>
+                <a16:creationId xmlns:a16="http://schemas.microsoft.com/office/drawing/2014/main" id="{EA0642B0-C910-19B6-6DA1-97CAB6AB2E5C}"/>
               </a:ext>
             </a:extLst>
           </p:cNvPr>
@@ -1862,7 +1862,7 @@
           <a:bodyPr/>
           <a:lstStyle/>
           <a:p>
-            <a:fld id="{AD9A5BCB-BB62-4FF6-A218-803DB56925A3}" type="slidenum">
+            <a:fld id="{E330CEB4-9552-41B2-B100-67B7850FB0CE}" type="slidenum">
               <a:rPr lang="zh-CN" altLang="en-US" smtClean="0"/>
               <a:t>‹#›</a:t>
             </a:fld>
@@ -1873,7 +1873,7 @@
     </p:spTree>
     <p:extLst>
       <p:ext uri="{BB962C8B-B14F-4D97-AF65-F5344CB8AC3E}">
-        <p14:creationId xmlns:p14="http://schemas.microsoft.com/office/powerpoint/2010/main" val="3738925037"/>
+        <p14:creationId xmlns:p14="http://schemas.microsoft.com/office/powerpoint/2010/main" val="4258272051"/>
       </p:ext>
     </p:extLst>
   </p:cSld>
@@ -1905,7 +1905,7 @@
           <p:cNvPr id="2" name="标题 1">
             <a:extLst>
               <a:ext uri="{FF2B5EF4-FFF2-40B4-BE49-F238E27FC236}">
-                <a16:creationId xmlns:a16="http://schemas.microsoft.com/office/drawing/2014/main" id="{4AF5FF16-9F11-989F-5702-099EA5C09276}"/>
+                <a16:creationId xmlns:a16="http://schemas.microsoft.com/office/drawing/2014/main" id="{43ACC3A4-3FD1-2651-7204-7226BCAC7500}"/>
               </a:ext>
             </a:extLst>
           </p:cNvPr>
@@ -1933,7 +1933,7 @@
           <p:cNvPr id="3" name="日期占位符 2">
             <a:extLst>
               <a:ext uri="{FF2B5EF4-FFF2-40B4-BE49-F238E27FC236}">
-                <a16:creationId xmlns:a16="http://schemas.microsoft.com/office/drawing/2014/main" id="{5916FD3D-F965-C122-2CCD-25D3AB6F0ECE}"/>
+                <a16:creationId xmlns:a16="http://schemas.microsoft.com/office/drawing/2014/main" id="{B0E32E01-5409-99F7-F952-D07A0DC1B2AF}"/>
               </a:ext>
             </a:extLst>
           </p:cNvPr>
@@ -1949,7 +1949,7 @@
           <a:bodyPr/>
           <a:lstStyle/>
           <a:p>
-            <a:fld id="{D54DBD27-EAAD-44A3-BA82-0F988E6EED84}" type="datetimeFigureOut">
+            <a:fld id="{1B9BEC4B-EFD1-4233-AE02-0092AC1B3B0B}" type="datetimeFigureOut">
               <a:rPr lang="zh-CN" altLang="en-US" smtClean="0"/>
               <a:t>2024/3/10</a:t>
             </a:fld>
@@ -1962,7 +1962,7 @@
           <p:cNvPr id="4" name="页脚占位符 3">
             <a:extLst>
               <a:ext uri="{FF2B5EF4-FFF2-40B4-BE49-F238E27FC236}">
-                <a16:creationId xmlns:a16="http://schemas.microsoft.com/office/drawing/2014/main" id="{3209C41D-FBBB-5FE4-6CFA-7E17DE3E7A5D}"/>
+                <a16:creationId xmlns:a16="http://schemas.microsoft.com/office/drawing/2014/main" id="{49DACFD0-68E0-CD4B-D6C6-CA102636FE82}"/>
               </a:ext>
             </a:extLst>
           </p:cNvPr>
@@ -1987,7 +1987,7 @@
           <p:cNvPr id="5" name="灯片编号占位符 4">
             <a:extLst>
               <a:ext uri="{FF2B5EF4-FFF2-40B4-BE49-F238E27FC236}">
-                <a16:creationId xmlns:a16="http://schemas.microsoft.com/office/drawing/2014/main" id="{4434D4C5-9421-CC76-B921-50E6078F5BA4}"/>
+                <a16:creationId xmlns:a16="http://schemas.microsoft.com/office/drawing/2014/main" id="{D4EDA940-BC94-D08E-5681-A5B1D36343AF}"/>
               </a:ext>
             </a:extLst>
           </p:cNvPr>
@@ -2003,7 +2003,7 @@
           <a:bodyPr/>
           <a:lstStyle/>
           <a:p>
-            <a:fld id="{AD9A5BCB-BB62-4FF6-A218-803DB56925A3}" type="slidenum">
+            <a:fld id="{E330CEB4-9552-41B2-B100-67B7850FB0CE}" type="slidenum">
               <a:rPr lang="zh-CN" altLang="en-US" smtClean="0"/>
               <a:t>‹#›</a:t>
             </a:fld>
@@ -2014,7 +2014,7 @@
     </p:spTree>
     <p:extLst>
       <p:ext uri="{BB962C8B-B14F-4D97-AF65-F5344CB8AC3E}">
-        <p14:creationId xmlns:p14="http://schemas.microsoft.com/office/powerpoint/2010/main" val="2306741818"/>
+        <p14:creationId xmlns:p14="http://schemas.microsoft.com/office/powerpoint/2010/main" val="1091413131"/>
       </p:ext>
     </p:extLst>
   </p:cSld>
@@ -2046,7 +2046,7 @@
           <p:cNvPr id="2" name="日期占位符 1">
             <a:extLst>
               <a:ext uri="{FF2B5EF4-FFF2-40B4-BE49-F238E27FC236}">
-                <a16:creationId xmlns:a16="http://schemas.microsoft.com/office/drawing/2014/main" id="{2FAABA80-3A85-8D5F-18ED-89A5DBA6635A}"/>
+                <a16:creationId xmlns:a16="http://schemas.microsoft.com/office/drawing/2014/main" id="{66BF87DE-3018-AD1E-D198-7D33DD2C8EC5}"/>
               </a:ext>
             </a:extLst>
           </p:cNvPr>
@@ -2062,7 +2062,7 @@
           <a:bodyPr/>
           <a:lstStyle/>
           <a:p>
-            <a:fld id="{D54DBD27-EAAD-44A3-BA82-0F988E6EED84}" type="datetimeFigureOut">
+            <a:fld id="{1B9BEC4B-EFD1-4233-AE02-0092AC1B3B0B}" type="datetimeFigureOut">
               <a:rPr lang="zh-CN" altLang="en-US" smtClean="0"/>
               <a:t>2024/3/10</a:t>
             </a:fld>
@@ -2075,7 +2075,7 @@
           <p:cNvPr id="3" name="页脚占位符 2">
             <a:extLst>
               <a:ext uri="{FF2B5EF4-FFF2-40B4-BE49-F238E27FC236}">
-                <a16:creationId xmlns:a16="http://schemas.microsoft.com/office/drawing/2014/main" id="{9EDBAAEE-D03D-80C1-1ECE-DE3AEADB3CCA}"/>
+                <a16:creationId xmlns:a16="http://schemas.microsoft.com/office/drawing/2014/main" id="{64414670-59AF-8D39-6F7F-0C7EE664D1DE}"/>
               </a:ext>
             </a:extLst>
           </p:cNvPr>
@@ -2100,7 +2100,7 @@
           <p:cNvPr id="4" name="灯片编号占位符 3">
             <a:extLst>
               <a:ext uri="{FF2B5EF4-FFF2-40B4-BE49-F238E27FC236}">
-                <a16:creationId xmlns:a16="http://schemas.microsoft.com/office/drawing/2014/main" id="{6E1A6275-192E-59AE-0567-943B74BDCCDE}"/>
+                <a16:creationId xmlns:a16="http://schemas.microsoft.com/office/drawing/2014/main" id="{6A5C9B76-6469-5BC2-5988-AA5681EB44D2}"/>
               </a:ext>
             </a:extLst>
           </p:cNvPr>
@@ -2116,7 +2116,7 @@
           <a:bodyPr/>
           <a:lstStyle/>
           <a:p>
-            <a:fld id="{AD9A5BCB-BB62-4FF6-A218-803DB56925A3}" type="slidenum">
+            <a:fld id="{E330CEB4-9552-41B2-B100-67B7850FB0CE}" type="slidenum">
               <a:rPr lang="zh-CN" altLang="en-US" smtClean="0"/>
               <a:t>‹#›</a:t>
             </a:fld>
@@ -2127,7 +2127,7 @@
     </p:spTree>
     <p:extLst>
       <p:ext uri="{BB962C8B-B14F-4D97-AF65-F5344CB8AC3E}">
-        <p14:creationId xmlns:p14="http://schemas.microsoft.com/office/powerpoint/2010/main" val="1601628671"/>
+        <p14:creationId xmlns:p14="http://schemas.microsoft.com/office/powerpoint/2010/main" val="1149086755"/>
       </p:ext>
     </p:extLst>
   </p:cSld>
@@ -2159,7 +2159,7 @@
           <p:cNvPr id="2" name="标题 1">
             <a:extLst>
               <a:ext uri="{FF2B5EF4-FFF2-40B4-BE49-F238E27FC236}">
-                <a16:creationId xmlns:a16="http://schemas.microsoft.com/office/drawing/2014/main" id="{3E640909-2DB6-1D53-2D4D-C1F6EC1F9306}"/>
+                <a16:creationId xmlns:a16="http://schemas.microsoft.com/office/drawing/2014/main" id="{24E0A1DA-9B93-4E54-E2AE-28D68CCBD4A1}"/>
               </a:ext>
             </a:extLst>
           </p:cNvPr>
@@ -2196,7 +2196,7 @@
           <p:cNvPr id="3" name="内容占位符 2">
             <a:extLst>
               <a:ext uri="{FF2B5EF4-FFF2-40B4-BE49-F238E27FC236}">
-                <a16:creationId xmlns:a16="http://schemas.microsoft.com/office/drawing/2014/main" id="{3BC2D434-342E-BDEF-F6A1-561EC47F63E2}"/>
+                <a16:creationId xmlns:a16="http://schemas.microsoft.com/office/drawing/2014/main" id="{A59B71E1-3723-DBED-05D4-3A49E462671B}"/>
               </a:ext>
             </a:extLst>
           </p:cNvPr>
@@ -2286,7 +2286,7 @@
           <p:cNvPr id="4" name="文本占位符 3">
             <a:extLst>
               <a:ext uri="{FF2B5EF4-FFF2-40B4-BE49-F238E27FC236}">
-                <a16:creationId xmlns:a16="http://schemas.microsoft.com/office/drawing/2014/main" id="{3FA9B658-933E-9880-5F40-E11A8B40BAFC}"/>
+                <a16:creationId xmlns:a16="http://schemas.microsoft.com/office/drawing/2014/main" id="{645472FC-BDA6-0203-3844-8863E4E5581B}"/>
               </a:ext>
             </a:extLst>
           </p:cNvPr>
@@ -2357,7 +2357,7 @@
           <p:cNvPr id="5" name="日期占位符 4">
             <a:extLst>
               <a:ext uri="{FF2B5EF4-FFF2-40B4-BE49-F238E27FC236}">
-                <a16:creationId xmlns:a16="http://schemas.microsoft.com/office/drawing/2014/main" id="{716F8130-031F-CB35-1077-D7DA5D89A454}"/>
+                <a16:creationId xmlns:a16="http://schemas.microsoft.com/office/drawing/2014/main" id="{1D6301C1-C1D4-93CF-30D1-7CB33112BA6D}"/>
               </a:ext>
             </a:extLst>
           </p:cNvPr>
@@ -2373,7 +2373,7 @@
           <a:bodyPr/>
           <a:lstStyle/>
           <a:p>
-            <a:fld id="{D54DBD27-EAAD-44A3-BA82-0F988E6EED84}" type="datetimeFigureOut">
+            <a:fld id="{1B9BEC4B-EFD1-4233-AE02-0092AC1B3B0B}" type="datetimeFigureOut">
               <a:rPr lang="zh-CN" altLang="en-US" smtClean="0"/>
               <a:t>2024/3/10</a:t>
             </a:fld>
@@ -2386,7 +2386,7 @@
           <p:cNvPr id="6" name="页脚占位符 5">
             <a:extLst>
               <a:ext uri="{FF2B5EF4-FFF2-40B4-BE49-F238E27FC236}">
-                <a16:creationId xmlns:a16="http://schemas.microsoft.com/office/drawing/2014/main" id="{B0CF2F60-6EA6-E978-42FC-97909279CDF9}"/>
+                <a16:creationId xmlns:a16="http://schemas.microsoft.com/office/drawing/2014/main" id="{BA0CA5CF-7B7A-5293-78DF-B0B8F9DAD78E}"/>
               </a:ext>
             </a:extLst>
           </p:cNvPr>
@@ -2411,7 +2411,7 @@
           <p:cNvPr id="7" name="灯片编号占位符 6">
             <a:extLst>
               <a:ext uri="{FF2B5EF4-FFF2-40B4-BE49-F238E27FC236}">
-                <a16:creationId xmlns:a16="http://schemas.microsoft.com/office/drawing/2014/main" id="{49D2E630-7335-3E6B-762F-664A1081D7A0}"/>
+                <a16:creationId xmlns:a16="http://schemas.microsoft.com/office/drawing/2014/main" id="{85998A0A-6A92-823F-84EE-AF612FC4A196}"/>
               </a:ext>
             </a:extLst>
           </p:cNvPr>
@@ -2427,7 +2427,7 @@
           <a:bodyPr/>
           <a:lstStyle/>
           <a:p>
-            <a:fld id="{AD9A5BCB-BB62-4FF6-A218-803DB56925A3}" type="slidenum">
+            <a:fld id="{E330CEB4-9552-41B2-B100-67B7850FB0CE}" type="slidenum">
               <a:rPr lang="zh-CN" altLang="en-US" smtClean="0"/>
               <a:t>‹#›</a:t>
             </a:fld>
@@ -2438,7 +2438,7 @@
     </p:spTree>
     <p:extLst>
       <p:ext uri="{BB962C8B-B14F-4D97-AF65-F5344CB8AC3E}">
-        <p14:creationId xmlns:p14="http://schemas.microsoft.com/office/powerpoint/2010/main" val="726101386"/>
+        <p14:creationId xmlns:p14="http://schemas.microsoft.com/office/powerpoint/2010/main" val="1369069283"/>
       </p:ext>
     </p:extLst>
   </p:cSld>
@@ -2470,7 +2470,7 @@
           <p:cNvPr id="2" name="标题 1">
             <a:extLst>
               <a:ext uri="{FF2B5EF4-FFF2-40B4-BE49-F238E27FC236}">
-                <a16:creationId xmlns:a16="http://schemas.microsoft.com/office/drawing/2014/main" id="{4C5D611C-7B2E-37B8-878B-B7D3BEAB09A5}"/>
+                <a16:creationId xmlns:a16="http://schemas.microsoft.com/office/drawing/2014/main" id="{CD229A78-5FE4-48E7-4291-6F2FA6C12A9B}"/>
               </a:ext>
             </a:extLst>
           </p:cNvPr>
@@ -2507,7 +2507,7 @@
           <p:cNvPr id="3" name="图片占位符 2">
             <a:extLst>
               <a:ext uri="{FF2B5EF4-FFF2-40B4-BE49-F238E27FC236}">
-                <a16:creationId xmlns:a16="http://schemas.microsoft.com/office/drawing/2014/main" id="{E6BA58E9-C3F9-22CD-698A-FAA8454E329C}"/>
+                <a16:creationId xmlns:a16="http://schemas.microsoft.com/office/drawing/2014/main" id="{96476681-6744-7CC6-5DC4-9B244069A6FD}"/>
               </a:ext>
             </a:extLst>
           </p:cNvPr>
@@ -2574,7 +2574,7 @@
           <p:cNvPr id="4" name="文本占位符 3">
             <a:extLst>
               <a:ext uri="{FF2B5EF4-FFF2-40B4-BE49-F238E27FC236}">
-                <a16:creationId xmlns:a16="http://schemas.microsoft.com/office/drawing/2014/main" id="{9A10C709-E6B2-8FD3-CE64-C79CE61B2D3F}"/>
+                <a16:creationId xmlns:a16="http://schemas.microsoft.com/office/drawing/2014/main" id="{1FB88775-33BE-C635-3765-E1F9A69675C6}"/>
               </a:ext>
             </a:extLst>
           </p:cNvPr>
@@ -2645,7 +2645,7 @@
           <p:cNvPr id="5" name="日期占位符 4">
             <a:extLst>
               <a:ext uri="{FF2B5EF4-FFF2-40B4-BE49-F238E27FC236}">
-                <a16:creationId xmlns:a16="http://schemas.microsoft.com/office/drawing/2014/main" id="{109CC0B5-5E52-3E65-BE1B-C6640ED6B8E2}"/>
+                <a16:creationId xmlns:a16="http://schemas.microsoft.com/office/drawing/2014/main" id="{D4FD3125-B38E-2D4B-8AE3-E3B90D7E7D5D}"/>
               </a:ext>
             </a:extLst>
           </p:cNvPr>
@@ -2661,7 +2661,7 @@
           <a:bodyPr/>
           <a:lstStyle/>
           <a:p>
-            <a:fld id="{D54DBD27-EAAD-44A3-BA82-0F988E6EED84}" type="datetimeFigureOut">
+            <a:fld id="{1B9BEC4B-EFD1-4233-AE02-0092AC1B3B0B}" type="datetimeFigureOut">
               <a:rPr lang="zh-CN" altLang="en-US" smtClean="0"/>
               <a:t>2024/3/10</a:t>
             </a:fld>
@@ -2674,7 +2674,7 @@
           <p:cNvPr id="6" name="页脚占位符 5">
             <a:extLst>
               <a:ext uri="{FF2B5EF4-FFF2-40B4-BE49-F238E27FC236}">
-                <a16:creationId xmlns:a16="http://schemas.microsoft.com/office/drawing/2014/main" id="{2E38E3FB-0640-9CBB-D0E5-5835C34FF3CB}"/>
+                <a16:creationId xmlns:a16="http://schemas.microsoft.com/office/drawing/2014/main" id="{0EECAEF5-1C6C-6EB2-40D0-6256E9FB0EF9}"/>
               </a:ext>
             </a:extLst>
           </p:cNvPr>
@@ -2699,7 +2699,7 @@
           <p:cNvPr id="7" name="灯片编号占位符 6">
             <a:extLst>
               <a:ext uri="{FF2B5EF4-FFF2-40B4-BE49-F238E27FC236}">
-                <a16:creationId xmlns:a16="http://schemas.microsoft.com/office/drawing/2014/main" id="{AAFE10E1-8549-7025-7D85-C6BEFEBC5BA0}"/>
+                <a16:creationId xmlns:a16="http://schemas.microsoft.com/office/drawing/2014/main" id="{94D3EE2E-747D-7C5B-BC8B-85AD0F550355}"/>
               </a:ext>
             </a:extLst>
           </p:cNvPr>
@@ -2715,7 +2715,7 @@
           <a:bodyPr/>
           <a:lstStyle/>
           <a:p>
-            <a:fld id="{AD9A5BCB-BB62-4FF6-A218-803DB56925A3}" type="slidenum">
+            <a:fld id="{E330CEB4-9552-41B2-B100-67B7850FB0CE}" type="slidenum">
               <a:rPr lang="zh-CN" altLang="en-US" smtClean="0"/>
               <a:t>‹#›</a:t>
             </a:fld>
@@ -2726,7 +2726,7 @@
     </p:spTree>
     <p:extLst>
       <p:ext uri="{BB962C8B-B14F-4D97-AF65-F5344CB8AC3E}">
-        <p14:creationId xmlns:p14="http://schemas.microsoft.com/office/powerpoint/2010/main" val="4279889961"/>
+        <p14:creationId xmlns:p14="http://schemas.microsoft.com/office/powerpoint/2010/main" val="3205158126"/>
       </p:ext>
     </p:extLst>
   </p:cSld>
@@ -2763,7 +2763,7 @@
           <p:cNvPr id="2" name="标题占位符 1">
             <a:extLst>
               <a:ext uri="{FF2B5EF4-FFF2-40B4-BE49-F238E27FC236}">
-                <a16:creationId xmlns:a16="http://schemas.microsoft.com/office/drawing/2014/main" id="{A6625AA7-654D-E778-63CF-DF4FE9B56208}"/>
+                <a16:creationId xmlns:a16="http://schemas.microsoft.com/office/drawing/2014/main" id="{26F5664F-C81D-6FFD-915D-02D6EFD1804B}"/>
               </a:ext>
             </a:extLst>
           </p:cNvPr>
@@ -2801,7 +2801,7 @@
           <p:cNvPr id="3" name="文本占位符 2">
             <a:extLst>
               <a:ext uri="{FF2B5EF4-FFF2-40B4-BE49-F238E27FC236}">
-                <a16:creationId xmlns:a16="http://schemas.microsoft.com/office/drawing/2014/main" id="{96EE9725-8190-C930-0D6F-6ECB2038F1E4}"/>
+                <a16:creationId xmlns:a16="http://schemas.microsoft.com/office/drawing/2014/main" id="{4589D5A3-7DA1-46F9-DBBF-E236FC7601AC}"/>
               </a:ext>
             </a:extLst>
           </p:cNvPr>
@@ -2868,7 +2868,7 @@
           <p:cNvPr id="4" name="日期占位符 3">
             <a:extLst>
               <a:ext uri="{FF2B5EF4-FFF2-40B4-BE49-F238E27FC236}">
-                <a16:creationId xmlns:a16="http://schemas.microsoft.com/office/drawing/2014/main" id="{00914AD2-77C3-B402-53F2-46297E60CA1C}"/>
+                <a16:creationId xmlns:a16="http://schemas.microsoft.com/office/drawing/2014/main" id="{E2A0CB13-C27C-C9F6-31BB-EE2E814CEC47}"/>
               </a:ext>
             </a:extLst>
           </p:cNvPr>
@@ -2902,7 +2902,7 @@
             </a:lvl1pPr>
           </a:lstStyle>
           <a:p>
-            <a:fld id="{D54DBD27-EAAD-44A3-BA82-0F988E6EED84}" type="datetimeFigureOut">
+            <a:fld id="{1B9BEC4B-EFD1-4233-AE02-0092AC1B3B0B}" type="datetimeFigureOut">
               <a:rPr lang="zh-CN" altLang="en-US" smtClean="0"/>
               <a:t>2024/3/10</a:t>
             </a:fld>
@@ -2915,7 +2915,7 @@
           <p:cNvPr id="5" name="页脚占位符 4">
             <a:extLst>
               <a:ext uri="{FF2B5EF4-FFF2-40B4-BE49-F238E27FC236}">
-                <a16:creationId xmlns:a16="http://schemas.microsoft.com/office/drawing/2014/main" id="{FA81AF5B-85BE-9A0C-4673-C9CBF836D8A6}"/>
+                <a16:creationId xmlns:a16="http://schemas.microsoft.com/office/drawing/2014/main" id="{5F2DEF18-EF0B-1292-31E2-CA4D9E0B74F1}"/>
               </a:ext>
             </a:extLst>
           </p:cNvPr>
@@ -2958,7 +2958,7 @@
           <p:cNvPr id="6" name="灯片编号占位符 5">
             <a:extLst>
               <a:ext uri="{FF2B5EF4-FFF2-40B4-BE49-F238E27FC236}">
-                <a16:creationId xmlns:a16="http://schemas.microsoft.com/office/drawing/2014/main" id="{E991D9C2-2D3A-4B02-D68C-333612144E72}"/>
+                <a16:creationId xmlns:a16="http://schemas.microsoft.com/office/drawing/2014/main" id="{10F43F3B-E55E-5940-A411-33AA2823B761}"/>
               </a:ext>
             </a:extLst>
           </p:cNvPr>
@@ -2992,7 +2992,7 @@
             </a:lvl1pPr>
           </a:lstStyle>
           <a:p>
-            <a:fld id="{AD9A5BCB-BB62-4FF6-A218-803DB56925A3}" type="slidenum">
+            <a:fld id="{E330CEB4-9552-41B2-B100-67B7850FB0CE}" type="slidenum">
               <a:rPr lang="zh-CN" altLang="en-US" smtClean="0"/>
               <a:t>‹#›</a:t>
             </a:fld>
@@ -3003,7 +3003,7 @@
     </p:spTree>
     <p:extLst>
       <p:ext uri="{BB962C8B-B14F-4D97-AF65-F5344CB8AC3E}">
-        <p14:creationId xmlns:p14="http://schemas.microsoft.com/office/powerpoint/2010/main" val="72417328"/>
+        <p14:creationId xmlns:p14="http://schemas.microsoft.com/office/powerpoint/2010/main" val="2052609495"/>
       </p:ext>
     </p:extLst>
   </p:cSld>
